--- a/Presentation/05 - Blazor - Lifecycle.pptx
+++ b/Presentation/05 - Blazor - Lifecycle.pptx
@@ -5,14 +5,16 @@
     <p:sldMasterId id="2147483794" r:id="rId4"/>
   </p:sldMasterIdLst>
   <p:notesMasterIdLst>
-    <p:notesMasterId r:id="rId10"/>
+    <p:notesMasterId r:id="rId12"/>
   </p:notesMasterIdLst>
   <p:sldIdLst>
     <p:sldId id="256" r:id="rId5"/>
     <p:sldId id="333" r:id="rId6"/>
     <p:sldId id="329" r:id="rId7"/>
     <p:sldId id="331" r:id="rId8"/>
-    <p:sldId id="332" r:id="rId9"/>
+    <p:sldId id="335" r:id="rId9"/>
+    <p:sldId id="332" r:id="rId10"/>
+    <p:sldId id="334" r:id="rId11"/>
   </p:sldIdLst>
   <p:sldSz cx="12192000" cy="6858000"/>
   <p:notesSz cx="6858000" cy="9144000"/>
@@ -243,7 +245,7 @@
             <a:fld id="{A74C3DD1-6B4C-423E-A696-BD4124EC33BC}" type="datetimeFigureOut">
               <a:rPr lang="cs-CZ" smtClean="0"/>
               <a:pPr/>
-              <a:t>07.10.2021</a:t>
+              <a:t>19.10.2021</a:t>
             </a:fld>
             <a:endParaRPr lang="cs-CZ" dirty="0"/>
           </a:p>
@@ -710,7 +712,7 @@
           <a:p>
             <a:fld id="{0DA6F2F8-F70A-47D7-AD2D-4F12E71A0C18}" type="datetimeFigureOut">
               <a:rPr lang="cs-CZ" smtClean="0"/>
-              <a:t>07.10.2021</a:t>
+              <a:t>19.10.2021</a:t>
             </a:fld>
             <a:endParaRPr lang="cs-CZ"/>
           </a:p>
@@ -892,7 +894,7 @@
           <a:p>
             <a:fld id="{0DA6F2F8-F70A-47D7-AD2D-4F12E71A0C18}" type="datetimeFigureOut">
               <a:rPr lang="cs-CZ" smtClean="0"/>
-              <a:t>07.10.2021</a:t>
+              <a:t>19.10.2021</a:t>
             </a:fld>
             <a:endParaRPr lang="cs-CZ"/>
           </a:p>
@@ -1084,7 +1086,7 @@
           <a:p>
             <a:fld id="{0DA6F2F8-F70A-47D7-AD2D-4F12E71A0C18}" type="datetimeFigureOut">
               <a:rPr lang="cs-CZ" smtClean="0"/>
-              <a:t>07.10.2021</a:t>
+              <a:t>19.10.2021</a:t>
             </a:fld>
             <a:endParaRPr lang="cs-CZ"/>
           </a:p>
@@ -1299,7 +1301,7 @@
           <a:p>
             <a:fld id="{0DA6F2F8-F70A-47D7-AD2D-4F12E71A0C18}" type="datetimeFigureOut">
               <a:rPr lang="cs-CZ" smtClean="0"/>
-              <a:t>07.10.2021</a:t>
+              <a:t>19.10.2021</a:t>
             </a:fld>
             <a:endParaRPr lang="cs-CZ"/>
           </a:p>
@@ -1574,7 +1576,7 @@
           <a:p>
             <a:fld id="{0DA6F2F8-F70A-47D7-AD2D-4F12E71A0C18}" type="datetimeFigureOut">
               <a:rPr lang="cs-CZ" smtClean="0"/>
-              <a:t>07.10.2021</a:t>
+              <a:t>19.10.2021</a:t>
             </a:fld>
             <a:endParaRPr lang="cs-CZ"/>
           </a:p>
@@ -1891,7 +1893,7 @@
           <a:p>
             <a:fld id="{0DA6F2F8-F70A-47D7-AD2D-4F12E71A0C18}" type="datetimeFigureOut">
               <a:rPr lang="cs-CZ" smtClean="0"/>
-              <a:t>07.10.2021</a:t>
+              <a:t>19.10.2021</a:t>
             </a:fld>
             <a:endParaRPr lang="cs-CZ" dirty="0"/>
           </a:p>
@@ -2342,7 +2344,7 @@
           <a:p>
             <a:fld id="{0DA6F2F8-F70A-47D7-AD2D-4F12E71A0C18}" type="datetimeFigureOut">
               <a:rPr lang="cs-CZ" smtClean="0"/>
-              <a:t>07.10.2021</a:t>
+              <a:t>19.10.2021</a:t>
             </a:fld>
             <a:endParaRPr lang="cs-CZ"/>
           </a:p>
@@ -2489,7 +2491,7 @@
           <a:p>
             <a:fld id="{0DA6F2F8-F70A-47D7-AD2D-4F12E71A0C18}" type="datetimeFigureOut">
               <a:rPr lang="cs-CZ" smtClean="0"/>
-              <a:t>07.10.2021</a:t>
+              <a:t>19.10.2021</a:t>
             </a:fld>
             <a:endParaRPr lang="cs-CZ"/>
           </a:p>
@@ -2596,7 +2598,7 @@
           <a:p>
             <a:fld id="{0DA6F2F8-F70A-47D7-AD2D-4F12E71A0C18}" type="datetimeFigureOut">
               <a:rPr lang="cs-CZ" smtClean="0"/>
-              <a:t>07.10.2021</a:t>
+              <a:t>19.10.2021</a:t>
             </a:fld>
             <a:endParaRPr lang="cs-CZ"/>
           </a:p>
@@ -2887,7 +2889,7 @@
           <a:p>
             <a:fld id="{0DA6F2F8-F70A-47D7-AD2D-4F12E71A0C18}" type="datetimeFigureOut">
               <a:rPr lang="cs-CZ" smtClean="0"/>
-              <a:t>07.10.2021</a:t>
+              <a:t>19.10.2021</a:t>
             </a:fld>
             <a:endParaRPr lang="cs-CZ"/>
           </a:p>
@@ -3156,7 +3158,7 @@
           <a:p>
             <a:fld id="{0DA6F2F8-F70A-47D7-AD2D-4F12E71A0C18}" type="datetimeFigureOut">
               <a:rPr lang="cs-CZ" smtClean="0"/>
-              <a:t>07.10.2021</a:t>
+              <a:t>19.10.2021</a:t>
             </a:fld>
             <a:endParaRPr lang="cs-CZ"/>
           </a:p>
@@ -3420,7 +3422,7 @@
           <a:p>
             <a:fld id="{0DA6F2F8-F70A-47D7-AD2D-4F12E71A0C18}" type="datetimeFigureOut">
               <a:rPr lang="cs-CZ" smtClean="0"/>
-              <a:t>07.10.2021</a:t>
+              <a:t>19.10.2021</a:t>
             </a:fld>
             <a:endParaRPr lang="cs-CZ"/>
           </a:p>
@@ -3826,7 +3828,7 @@
         <p:spPr>
           <a:xfrm>
             <a:off x="1199456" y="3200994"/>
-            <a:ext cx="8782744" cy="2028206"/>
+            <a:ext cx="8782744" cy="2532262"/>
           </a:xfrm>
         </p:spPr>
         <p:txBody>
@@ -3844,15 +3846,32 @@
               <a:t>Blazor</a:t>
             </a:r>
             <a:br>
-              <a:rPr lang="cs-CZ" b="1"/>
+              <a:rPr lang="cs-CZ" b="1" dirty="0"/>
             </a:br>
             <a:r>
-              <a:rPr lang="cs-CZ" sz="4000">
+              <a:rPr lang="cs-CZ" sz="4000" dirty="0">
                 <a:solidFill>
                   <a:srgbClr val="000000"/>
                 </a:solidFill>
               </a:rPr>
               <a:t>Životní cyklus komponent</a:t>
+            </a:r>
+            <a:br>
+              <a:rPr lang="cs-CZ" sz="4000" dirty="0">
+                <a:solidFill>
+                  <a:srgbClr val="000000"/>
+                </a:solidFill>
+              </a:rPr>
+            </a:br>
+            <a:r>
+              <a:rPr lang="cs-CZ" sz="4000" i="1" dirty="0">
+                <a:solidFill>
+                  <a:schemeClr val="bg2">
+                    <a:lumMod val="10000"/>
+                  </a:schemeClr>
+                </a:solidFill>
+              </a:rPr>
+              <a:t>a triky v něm schované</a:t>
             </a:r>
             <a:endParaRPr lang="cs-CZ" sz="4000" dirty="0">
               <a:solidFill>
@@ -4280,7 +4299,13 @@
               <a:rPr lang="cs-CZ" dirty="0">
                 <a:sym typeface="Wingdings" panose="05000000000000000000" pitchFamily="2" charset="2"/>
               </a:rPr>
-              <a:t> vlastní řešení parametrů (výjimečné)</a:t>
+              <a:t> vlastní </a:t>
+            </a:r>
+            <a:r>
+              <a:rPr lang="cs-CZ">
+                <a:sym typeface="Wingdings" panose="05000000000000000000" pitchFamily="2" charset="2"/>
+              </a:rPr>
+              <a:t>řešení parametrů</a:t>
             </a:r>
             <a:endParaRPr lang="cs-CZ" dirty="0"/>
           </a:p>
@@ -4400,6 +4425,142 @@
 </file>
 
 <file path=ppt/slides/slide5.xml><?xml version="1.0" encoding="utf-8"?>
+<p:sld xmlns:a="http://schemas.openxmlformats.org/drawingml/2006/main" xmlns:r="http://schemas.openxmlformats.org/officeDocument/2006/relationships" xmlns:p="http://schemas.openxmlformats.org/presentationml/2006/main" showMasterSp="0">
+  <p:cSld>
+    <p:spTree>
+      <p:nvGrpSpPr>
+        <p:cNvPr id="1" name=""/>
+        <p:cNvGrpSpPr/>
+        <p:nvPr/>
+      </p:nvGrpSpPr>
+      <p:grpSpPr>
+        <a:xfrm>
+          <a:off x="0" y="0"/>
+          <a:ext cx="0" cy="0"/>
+          <a:chOff x="0" y="0"/>
+          <a:chExt cx="0" cy="0"/>
+        </a:xfrm>
+      </p:grpSpPr>
+      <p:pic>
+        <p:nvPicPr>
+          <p:cNvPr id="1026" name="Picture 2" descr="Component lifecycle events of a Razor component in Blazor">
+            <a:extLst>
+              <a:ext uri="{FF2B5EF4-FFF2-40B4-BE49-F238E27FC236}">
+                <a16:creationId xmlns:a16="http://schemas.microsoft.com/office/drawing/2014/main" id="{8783DACD-328D-4B1F-A239-82ED266A7C8E}"/>
+              </a:ext>
+            </a:extLst>
+          </p:cNvPr>
+          <p:cNvPicPr>
+            <a:picLocks noChangeAspect="1" noChangeArrowheads="1"/>
+          </p:cNvPicPr>
+          <p:nvPr/>
+        </p:nvPicPr>
+        <p:blipFill>
+          <a:blip r:embed="rId2">
+            <a:extLst>
+              <a:ext uri="{28A0092B-C50C-407E-A947-70E740481C1C}">
+                <a14:useLocalDpi xmlns:a14="http://schemas.microsoft.com/office/drawing/2010/main" val="0"/>
+              </a:ext>
+            </a:extLst>
+          </a:blip>
+          <a:srcRect/>
+          <a:stretch>
+            <a:fillRect/>
+          </a:stretch>
+        </p:blipFill>
+        <p:spPr bwMode="auto">
+          <a:xfrm>
+            <a:off x="1067569" y="481011"/>
+            <a:ext cx="4524375" cy="5895975"/>
+          </a:xfrm>
+          <a:prstGeom prst="rect">
+            <a:avLst/>
+          </a:prstGeom>
+          <a:noFill/>
+          <a:extLst>
+            <a:ext uri="{909E8E84-426E-40DD-AFC4-6F175D3DCCD1}">
+              <a14:hiddenFill xmlns:a14="http://schemas.microsoft.com/office/drawing/2010/main">
+                <a:solidFill>
+                  <a:srgbClr val="FFFFFF"/>
+                </a:solidFill>
+              </a14:hiddenFill>
+            </a:ext>
+          </a:extLst>
+        </p:spPr>
+      </p:pic>
+      <p:pic>
+        <p:nvPicPr>
+          <p:cNvPr id="1028" name="Picture 4" descr="Document Object Model (DOM) event processing">
+            <a:extLst>
+              <a:ext uri="{FF2B5EF4-FFF2-40B4-BE49-F238E27FC236}">
+                <a16:creationId xmlns:a16="http://schemas.microsoft.com/office/drawing/2014/main" id="{D8B6201F-7FF1-409E-8CFB-CC1682EAFD6E}"/>
+              </a:ext>
+            </a:extLst>
+          </p:cNvPr>
+          <p:cNvPicPr>
+            <a:picLocks noChangeAspect="1" noChangeArrowheads="1"/>
+          </p:cNvPicPr>
+          <p:nvPr/>
+        </p:nvPicPr>
+        <p:blipFill>
+          <a:blip r:embed="rId3">
+            <a:extLst>
+              <a:ext uri="{28A0092B-C50C-407E-A947-70E740481C1C}">
+                <a14:useLocalDpi xmlns:a14="http://schemas.microsoft.com/office/drawing/2010/main" val="0"/>
+              </a:ext>
+            </a:extLst>
+          </a:blip>
+          <a:srcRect/>
+          <a:stretch>
+            <a:fillRect/>
+          </a:stretch>
+        </p:blipFill>
+        <p:spPr bwMode="auto">
+          <a:xfrm>
+            <a:off x="6600056" y="1909762"/>
+            <a:ext cx="4524375" cy="3038475"/>
+          </a:xfrm>
+          <a:prstGeom prst="rect">
+            <a:avLst/>
+          </a:prstGeom>
+          <a:noFill/>
+          <a:extLst>
+            <a:ext uri="{909E8E84-426E-40DD-AFC4-6F175D3DCCD1}">
+              <a14:hiddenFill xmlns:a14="http://schemas.microsoft.com/office/drawing/2010/main">
+                <a:solidFill>
+                  <a:srgbClr val="FFFFFF"/>
+                </a:solidFill>
+              </a14:hiddenFill>
+            </a:ext>
+          </a:extLst>
+        </p:spPr>
+      </p:pic>
+    </p:spTree>
+    <p:extLst>
+      <p:ext uri="{BB962C8B-B14F-4D97-AF65-F5344CB8AC3E}">
+        <p14:creationId xmlns:p14="http://schemas.microsoft.com/office/powerpoint/2010/main" val="3598240027"/>
+      </p:ext>
+    </p:extLst>
+  </p:cSld>
+  <p:clrMapOvr>
+    <a:masterClrMapping/>
+  </p:clrMapOvr>
+  <mc:AlternateContent xmlns:mc="http://schemas.openxmlformats.org/markup-compatibility/2006" xmlns:p14="http://schemas.microsoft.com/office/powerpoint/2010/main">
+    <mc:Choice Requires="p14">
+      <p:transition spd="med" p14:dur="700">
+        <p:fade/>
+      </p:transition>
+    </mc:Choice>
+    <mc:Fallback xmlns="">
+      <p:transition spd="med">
+        <p:fade/>
+      </p:transition>
+    </mc:Fallback>
+  </mc:AlternateContent>
+</p:sld>
+</file>
+
+<file path=ppt/slides/slide6.xml><?xml version="1.0" encoding="utf-8"?>
 <p:sld xmlns:a="http://schemas.openxmlformats.org/drawingml/2006/main" xmlns:r="http://schemas.openxmlformats.org/officeDocument/2006/relationships" xmlns:p="http://schemas.openxmlformats.org/presentationml/2006/main">
   <p:cSld>
     <p:spTree>
@@ -4531,6 +4692,174 @@
     <p:extLst>
       <p:ext uri="{BB962C8B-B14F-4D97-AF65-F5344CB8AC3E}">
         <p14:creationId xmlns:p14="http://schemas.microsoft.com/office/powerpoint/2010/main" val="182554944"/>
+      </p:ext>
+    </p:extLst>
+  </p:cSld>
+  <p:clrMapOvr>
+    <a:masterClrMapping/>
+  </p:clrMapOvr>
+  <mc:AlternateContent xmlns:mc="http://schemas.openxmlformats.org/markup-compatibility/2006" xmlns:p14="http://schemas.microsoft.com/office/powerpoint/2010/main">
+    <mc:Choice Requires="p14">
+      <p:transition p14:dur="0"/>
+    </mc:Choice>
+    <mc:Fallback xmlns="">
+      <p:transition/>
+    </mc:Fallback>
+  </mc:AlternateContent>
+</p:sld>
+</file>
+
+<file path=ppt/slides/slide7.xml><?xml version="1.0" encoding="utf-8"?>
+<p:sld xmlns:a="http://schemas.openxmlformats.org/drawingml/2006/main" xmlns:r="http://schemas.openxmlformats.org/officeDocument/2006/relationships" xmlns:p="http://schemas.openxmlformats.org/presentationml/2006/main">
+  <p:cSld>
+    <p:spTree>
+      <p:nvGrpSpPr>
+        <p:cNvPr id="1" name=""/>
+        <p:cNvGrpSpPr/>
+        <p:nvPr/>
+      </p:nvGrpSpPr>
+      <p:grpSpPr>
+        <a:xfrm>
+          <a:off x="0" y="0"/>
+          <a:ext cx="0" cy="0"/>
+          <a:chOff x="0" y="0"/>
+          <a:chExt cx="0" cy="0"/>
+        </a:xfrm>
+      </p:grpSpPr>
+      <p:sp>
+        <p:nvSpPr>
+          <p:cNvPr id="2" name="Title 1">
+            <a:extLst>
+              <a:ext uri="{FF2B5EF4-FFF2-40B4-BE49-F238E27FC236}">
+                <a16:creationId xmlns:a16="http://schemas.microsoft.com/office/drawing/2014/main" id="{CB04C9BE-800B-49A7-A08D-CEB5CED67FDD}"/>
+              </a:ext>
+            </a:extLst>
+          </p:cNvPr>
+          <p:cNvSpPr>
+            <a:spLocks noGrp="1"/>
+          </p:cNvSpPr>
+          <p:nvPr>
+            <p:ph type="title"/>
+          </p:nvPr>
+        </p:nvSpPr>
+        <p:spPr/>
+        <p:txBody>
+          <a:bodyPr/>
+          <a:lstStyle/>
+          <a:p>
+            <a:r>
+              <a:rPr lang="cs-CZ" dirty="0"/>
+              <a:t>Životní cyklus komponent</a:t>
+            </a:r>
+          </a:p>
+        </p:txBody>
+      </p:sp>
+      <p:sp>
+        <p:nvSpPr>
+          <p:cNvPr id="3" name="Content Placeholder 2">
+            <a:extLst>
+              <a:ext uri="{FF2B5EF4-FFF2-40B4-BE49-F238E27FC236}">
+                <a16:creationId xmlns:a16="http://schemas.microsoft.com/office/drawing/2014/main" id="{FB418A4C-9A9B-4499-B759-9AF77915E766}"/>
+              </a:ext>
+            </a:extLst>
+          </p:cNvPr>
+          <p:cNvSpPr>
+            <a:spLocks noGrp="1"/>
+          </p:cNvSpPr>
+          <p:nvPr>
+            <p:ph idx="1"/>
+          </p:nvPr>
+        </p:nvSpPr>
+        <p:spPr/>
+        <p:txBody>
+          <a:bodyPr>
+            <a:normAutofit/>
+          </a:bodyPr>
+          <a:lstStyle/>
+          <a:p>
+            <a:r>
+              <a:rPr lang="cs-CZ" dirty="0"/>
+              <a:t>Více </a:t>
+            </a:r>
+            <a:r>
+              <a:rPr lang="cs-CZ" dirty="0" err="1"/>
+              <a:t>await</a:t>
+            </a:r>
+            <a:r>
+              <a:rPr lang="cs-CZ" dirty="0"/>
+              <a:t> </a:t>
+            </a:r>
+            <a:r>
+              <a:rPr lang="cs-CZ" dirty="0" err="1"/>
+              <a:t>Task.Yield</a:t>
+            </a:r>
+            <a:r>
+              <a:rPr lang="cs-CZ" dirty="0"/>
+              <a:t>()?</a:t>
+            </a:r>
+          </a:p>
+          <a:p>
+            <a:r>
+              <a:rPr lang="cs-CZ" dirty="0"/>
+              <a:t>Zobrazení </a:t>
+            </a:r>
+            <a:r>
+              <a:rPr lang="cs-CZ" dirty="0" err="1"/>
+              <a:t>progress</a:t>
+            </a:r>
+            <a:r>
+              <a:rPr lang="cs-CZ" dirty="0"/>
+              <a:t>?</a:t>
+            </a:r>
+          </a:p>
+          <a:p>
+            <a:r>
+              <a:rPr lang="cs-CZ" dirty="0" err="1"/>
+              <a:t>await</a:t>
+            </a:r>
+            <a:r>
+              <a:rPr lang="cs-CZ" dirty="0"/>
+              <a:t> v </a:t>
+            </a:r>
+            <a:r>
+              <a:rPr lang="cs-CZ" dirty="0" err="1"/>
+              <a:t>AfterRender</a:t>
+            </a:r>
+            <a:endParaRPr lang="cs-CZ" dirty="0"/>
+          </a:p>
+          <a:p>
+            <a:r>
+              <a:rPr lang="cs-CZ" dirty="0" err="1"/>
+              <a:t>StateHasChanged</a:t>
+            </a:r>
+            <a:r>
+              <a:rPr lang="cs-CZ" dirty="0"/>
+              <a:t> v </a:t>
+            </a:r>
+            <a:r>
+              <a:rPr lang="cs-CZ" dirty="0" err="1"/>
+              <a:t>AfterRender</a:t>
+            </a:r>
+            <a:endParaRPr lang="cs-CZ"/>
+          </a:p>
+          <a:p>
+            <a:endParaRPr lang="cs-CZ" dirty="0"/>
+          </a:p>
+          <a:p>
+            <a:endParaRPr lang="cs-CZ" dirty="0"/>
+          </a:p>
+          <a:p>
+            <a:endParaRPr lang="cs-CZ" dirty="0"/>
+          </a:p>
+          <a:p>
+            <a:endParaRPr lang="cs-CZ" dirty="0"/>
+          </a:p>
+        </p:txBody>
+      </p:sp>
+    </p:spTree>
+    <p:extLst>
+      <p:ext uri="{BB962C8B-B14F-4D97-AF65-F5344CB8AC3E}">
+        <p14:creationId xmlns:p14="http://schemas.microsoft.com/office/powerpoint/2010/main" val="248281319"/>
       </p:ext>
     </p:extLst>
   </p:cSld>
@@ -5124,6 +5453,21 @@
 </file>
 
 <file path=customXml/item1.xml><?xml version="1.0" encoding="utf-8"?>
+<?mso-contentType ?>
+<FormTemplates xmlns="http://schemas.microsoft.com/sharepoint/v3/contenttype/forms">
+  <Display>DocumentLibraryForm</Display>
+  <Edit>DocumentLibraryForm</Edit>
+  <New>DocumentLibraryForm</New>
+</FormTemplates>
+</file>
+
+<file path=customXml/item2.xml><?xml version="1.0" encoding="utf-8"?>
+<p:properties xmlns:p="http://schemas.microsoft.com/office/2006/metadata/properties" xmlns:xsi="http://www.w3.org/2001/XMLSchema-instance" xmlns:pc="http://schemas.microsoft.com/office/infopath/2007/PartnerControls">
+  <documentManagement/>
+</p:properties>
+</file>
+
+<file path=customXml/item3.xml><?xml version="1.0" encoding="utf-8"?>
 <ct:contentTypeSchema xmlns:ct="http://schemas.microsoft.com/office/2006/metadata/contentType" xmlns:ma="http://schemas.microsoft.com/office/2006/metadata/properties/metaAttributes" ct:_="" ma:_="" ma:contentTypeName="Dokument" ma:contentTypeID="0x0101000FED9D5FE1F44145801737A7BA47560B" ma:contentTypeVersion="0" ma:contentTypeDescription="Vytvoří nový dokument" ma:contentTypeScope="" ma:versionID="865cee90d61be235413a64cabd79a281">
   <xsd:schema xmlns:xsd="http://www.w3.org/2001/XMLSchema" xmlns:xs="http://www.w3.org/2001/XMLSchema" xmlns:p="http://schemas.microsoft.com/office/2006/metadata/properties" targetNamespace="http://schemas.microsoft.com/office/2006/metadata/properties" ma:root="true" ma:fieldsID="871d6b51c5141eb32e0d04e037372b3c">
     <xsd:element name="properties">
@@ -5237,33 +5581,10 @@
 </ct:contentTypeSchema>
 </file>
 
-<file path=customXml/item2.xml><?xml version="1.0" encoding="utf-8"?>
-<p:properties xmlns:p="http://schemas.microsoft.com/office/2006/metadata/properties" xmlns:xsi="http://www.w3.org/2001/XMLSchema-instance" xmlns:pc="http://schemas.microsoft.com/office/infopath/2007/PartnerControls">
-  <documentManagement/>
-</p:properties>
-</file>
-
-<file path=customXml/item3.xml><?xml version="1.0" encoding="utf-8"?>
-<?mso-contentType ?>
-<FormTemplates xmlns="http://schemas.microsoft.com/sharepoint/v3/contenttype/forms">
-  <Display>DocumentLibraryForm</Display>
-  <Edit>DocumentLibraryForm</Edit>
-  <New>DocumentLibraryForm</New>
-</FormTemplates>
-</file>
-
 <file path=customXml/itemProps1.xml><?xml version="1.0" encoding="utf-8"?>
-<ds:datastoreItem xmlns:ds="http://schemas.openxmlformats.org/officeDocument/2006/customXml" ds:itemID="{BABDB233-CC77-4AD7-B48B-2F061438568A}">
+<ds:datastoreItem xmlns:ds="http://schemas.openxmlformats.org/officeDocument/2006/customXml" ds:itemID="{B22238E5-BDC0-4655-AFB5-A7405C559E7D}">
   <ds:schemaRefs>
-    <ds:schemaRef ds:uri="http://schemas.microsoft.com/office/2006/metadata/contentType"/>
-    <ds:schemaRef ds:uri="http://schemas.microsoft.com/office/2006/metadata/properties/metaAttributes"/>
-    <ds:schemaRef ds:uri="http://www.w3.org/2001/XMLSchema"/>
-    <ds:schemaRef ds:uri="http://schemas.microsoft.com/office/2006/metadata/properties"/>
-    <ds:schemaRef ds:uri="http://schemas.openxmlformats.org/package/2006/metadata/core-properties"/>
-    <ds:schemaRef ds:uri="http://purl.org/dc/elements/1.1/"/>
-    <ds:schemaRef ds:uri="http://purl.org/dc/terms/"/>
-    <ds:schemaRef ds:uri="http://schemas.microsoft.com/internal/obd"/>
-    <ds:schemaRef ds:uri="http://schemas.microsoft.com/office/infopath/2007/PartnerControls"/>
+    <ds:schemaRef ds:uri="http://schemas.microsoft.com/sharepoint/v3/contenttype/forms"/>
   </ds:schemaRefs>
 </ds:datastoreItem>
 </file>
@@ -5278,9 +5599,17 @@
 </file>
 
 <file path=customXml/itemProps3.xml><?xml version="1.0" encoding="utf-8"?>
-<ds:datastoreItem xmlns:ds="http://schemas.openxmlformats.org/officeDocument/2006/customXml" ds:itemID="{B22238E5-BDC0-4655-AFB5-A7405C559E7D}">
+<ds:datastoreItem xmlns:ds="http://schemas.openxmlformats.org/officeDocument/2006/customXml" ds:itemID="{BABDB233-CC77-4AD7-B48B-2F061438568A}">
   <ds:schemaRefs>
-    <ds:schemaRef ds:uri="http://schemas.microsoft.com/sharepoint/v3/contenttype/forms"/>
+    <ds:schemaRef ds:uri="http://schemas.microsoft.com/office/2006/metadata/contentType"/>
+    <ds:schemaRef ds:uri="http://schemas.microsoft.com/office/2006/metadata/properties/metaAttributes"/>
+    <ds:schemaRef ds:uri="http://www.w3.org/2001/XMLSchema"/>
+    <ds:schemaRef ds:uri="http://schemas.microsoft.com/office/2006/metadata/properties"/>
+    <ds:schemaRef ds:uri="http://schemas.openxmlformats.org/package/2006/metadata/core-properties"/>
+    <ds:schemaRef ds:uri="http://purl.org/dc/elements/1.1/"/>
+    <ds:schemaRef ds:uri="http://purl.org/dc/terms/"/>
+    <ds:schemaRef ds:uri="http://schemas.microsoft.com/internal/obd"/>
+    <ds:schemaRef ds:uri="http://schemas.microsoft.com/office/infopath/2007/PartnerControls"/>
   </ds:schemaRefs>
 </ds:datastoreItem>
 </file>
--- a/Presentation/05 - Blazor - Lifecycle.pptx
+++ b/Presentation/05 - Blazor - Lifecycle.pptx
@@ -11,9 +11,9 @@
     <p:sldId id="256" r:id="rId5"/>
     <p:sldId id="333" r:id="rId6"/>
     <p:sldId id="329" r:id="rId7"/>
-    <p:sldId id="331" r:id="rId8"/>
-    <p:sldId id="335" r:id="rId9"/>
-    <p:sldId id="332" r:id="rId10"/>
+    <p:sldId id="335" r:id="rId8"/>
+    <p:sldId id="332" r:id="rId9"/>
+    <p:sldId id="331" r:id="rId10"/>
     <p:sldId id="334" r:id="rId11"/>
   </p:sldIdLst>
   <p:sldSz cx="12192000" cy="6858000"/>
@@ -245,7 +245,7 @@
             <a:fld id="{A74C3DD1-6B4C-423E-A696-BD4124EC33BC}" type="datetimeFigureOut">
               <a:rPr lang="cs-CZ" smtClean="0"/>
               <a:pPr/>
-              <a:t>19.10.2021</a:t>
+              <a:t>19.01.2024</a:t>
             </a:fld>
             <a:endParaRPr lang="cs-CZ" dirty="0"/>
           </a:p>
@@ -712,7 +712,7 @@
           <a:p>
             <a:fld id="{0DA6F2F8-F70A-47D7-AD2D-4F12E71A0C18}" type="datetimeFigureOut">
               <a:rPr lang="cs-CZ" smtClean="0"/>
-              <a:t>19.10.2021</a:t>
+              <a:t>19.01.2024</a:t>
             </a:fld>
             <a:endParaRPr lang="cs-CZ"/>
           </a:p>
@@ -894,7 +894,7 @@
           <a:p>
             <a:fld id="{0DA6F2F8-F70A-47D7-AD2D-4F12E71A0C18}" type="datetimeFigureOut">
               <a:rPr lang="cs-CZ" smtClean="0"/>
-              <a:t>19.10.2021</a:t>
+              <a:t>19.01.2024</a:t>
             </a:fld>
             <a:endParaRPr lang="cs-CZ"/>
           </a:p>
@@ -1086,7 +1086,7 @@
           <a:p>
             <a:fld id="{0DA6F2F8-F70A-47D7-AD2D-4F12E71A0C18}" type="datetimeFigureOut">
               <a:rPr lang="cs-CZ" smtClean="0"/>
-              <a:t>19.10.2021</a:t>
+              <a:t>19.01.2024</a:t>
             </a:fld>
             <a:endParaRPr lang="cs-CZ"/>
           </a:p>
@@ -1301,7 +1301,7 @@
           <a:p>
             <a:fld id="{0DA6F2F8-F70A-47D7-AD2D-4F12E71A0C18}" type="datetimeFigureOut">
               <a:rPr lang="cs-CZ" smtClean="0"/>
-              <a:t>19.10.2021</a:t>
+              <a:t>19.01.2024</a:t>
             </a:fld>
             <a:endParaRPr lang="cs-CZ"/>
           </a:p>
@@ -1576,7 +1576,7 @@
           <a:p>
             <a:fld id="{0DA6F2F8-F70A-47D7-AD2D-4F12E71A0C18}" type="datetimeFigureOut">
               <a:rPr lang="cs-CZ" smtClean="0"/>
-              <a:t>19.10.2021</a:t>
+              <a:t>19.01.2024</a:t>
             </a:fld>
             <a:endParaRPr lang="cs-CZ"/>
           </a:p>
@@ -1893,7 +1893,7 @@
           <a:p>
             <a:fld id="{0DA6F2F8-F70A-47D7-AD2D-4F12E71A0C18}" type="datetimeFigureOut">
               <a:rPr lang="cs-CZ" smtClean="0"/>
-              <a:t>19.10.2021</a:t>
+              <a:t>19.01.2024</a:t>
             </a:fld>
             <a:endParaRPr lang="cs-CZ" dirty="0"/>
           </a:p>
@@ -2344,7 +2344,7 @@
           <a:p>
             <a:fld id="{0DA6F2F8-F70A-47D7-AD2D-4F12E71A0C18}" type="datetimeFigureOut">
               <a:rPr lang="cs-CZ" smtClean="0"/>
-              <a:t>19.10.2021</a:t>
+              <a:t>19.01.2024</a:t>
             </a:fld>
             <a:endParaRPr lang="cs-CZ"/>
           </a:p>
@@ -2491,7 +2491,7 @@
           <a:p>
             <a:fld id="{0DA6F2F8-F70A-47D7-AD2D-4F12E71A0C18}" type="datetimeFigureOut">
               <a:rPr lang="cs-CZ" smtClean="0"/>
-              <a:t>19.10.2021</a:t>
+              <a:t>19.01.2024</a:t>
             </a:fld>
             <a:endParaRPr lang="cs-CZ"/>
           </a:p>
@@ -2598,7 +2598,7 @@
           <a:p>
             <a:fld id="{0DA6F2F8-F70A-47D7-AD2D-4F12E71A0C18}" type="datetimeFigureOut">
               <a:rPr lang="cs-CZ" smtClean="0"/>
-              <a:t>19.10.2021</a:t>
+              <a:t>19.01.2024</a:t>
             </a:fld>
             <a:endParaRPr lang="cs-CZ"/>
           </a:p>
@@ -2889,7 +2889,7 @@
           <a:p>
             <a:fld id="{0DA6F2F8-F70A-47D7-AD2D-4F12E71A0C18}" type="datetimeFigureOut">
               <a:rPr lang="cs-CZ" smtClean="0"/>
-              <a:t>19.10.2021</a:t>
+              <a:t>19.01.2024</a:t>
             </a:fld>
             <a:endParaRPr lang="cs-CZ"/>
           </a:p>
@@ -3158,7 +3158,7 @@
           <a:p>
             <a:fld id="{0DA6F2F8-F70A-47D7-AD2D-4F12E71A0C18}" type="datetimeFigureOut">
               <a:rPr lang="cs-CZ" smtClean="0"/>
-              <a:t>19.10.2021</a:t>
+              <a:t>19.01.2024</a:t>
             </a:fld>
             <a:endParaRPr lang="cs-CZ"/>
           </a:p>
@@ -3422,7 +3422,7 @@
           <a:p>
             <a:fld id="{0DA6F2F8-F70A-47D7-AD2D-4F12E71A0C18}" type="datetimeFigureOut">
               <a:rPr lang="cs-CZ" smtClean="0"/>
-              <a:t>19.10.2021</a:t>
+              <a:t>19.01.2024</a:t>
             </a:fld>
             <a:endParaRPr lang="cs-CZ"/>
           </a:p>
@@ -3997,13 +3997,29 @@
           <a:p>
             <a:r>
               <a:rPr lang="cs-CZ" dirty="0"/>
-              <a:t>OnInitialized[Async]</a:t>
-            </a:r>
-          </a:p>
-          <a:p>
+              <a:t>    </a:t>
+            </a:r>
+            <a:r>
+              <a:rPr lang="cs-CZ" dirty="0" err="1"/>
+              <a:t>OnInitialized</a:t>
+            </a:r>
             <a:r>
               <a:rPr lang="cs-CZ" dirty="0"/>
-              <a:t>OnParametersSet[Async]</a:t>
+              <a:t>[Async]</a:t>
+            </a:r>
+          </a:p>
+          <a:p>
+            <a:r>
+              <a:rPr lang="cs-CZ" dirty="0"/>
+              <a:t>    </a:t>
+            </a:r>
+            <a:r>
+              <a:rPr lang="cs-CZ" dirty="0" err="1"/>
+              <a:t>OnParametersSet</a:t>
+            </a:r>
+            <a:r>
+              <a:rPr lang="cs-CZ" dirty="0"/>
+              <a:t>[Async]</a:t>
             </a:r>
           </a:p>
           <a:p>
@@ -4035,6 +4051,24 @@
           </a:p>
           <a:p>
             <a:r>
+              <a:rPr lang="cs-CZ" dirty="0" err="1"/>
+              <a:t>IAsyncDisposable.DisposeAsync</a:t>
+            </a:r>
+            <a:r>
+              <a:rPr lang="cs-CZ" dirty="0"/>
+              <a:t>, </a:t>
+            </a:r>
+            <a:r>
+              <a:rPr lang="cs-CZ" dirty="0" err="1"/>
+              <a:t>IDisposable.Dispose</a:t>
+            </a:r>
+            <a:br>
+              <a:rPr lang="cs-CZ" dirty="0"/>
+            </a:br>
+            <a:br>
+              <a:rPr lang="cs-CZ" dirty="0"/>
+            </a:br>
+            <a:r>
               <a:rPr lang="cs-CZ" dirty="0">
                 <a:hlinkClick r:id="rId2"/>
               </a:rPr>
@@ -4044,12 +4078,6 @@
           </a:p>
           <a:p>
             <a:endParaRPr lang="cs-CZ" dirty="0"/>
-          </a:p>
-          <a:p>
-            <a:r>
-              <a:rPr lang="cs-CZ" dirty="0"/>
-              <a:t>IDisposable.Dispose, IAsyncDisposable.DisposeAsync</a:t>
-            </a:r>
           </a:p>
         </p:txBody>
       </p:sp>
@@ -4224,207 +4252,6 @@
 </file>
 
 <file path=ppt/slides/slide4.xml><?xml version="1.0" encoding="utf-8"?>
-<p:sld xmlns:a="http://schemas.openxmlformats.org/drawingml/2006/main" xmlns:r="http://schemas.openxmlformats.org/officeDocument/2006/relationships" xmlns:p="http://schemas.openxmlformats.org/presentationml/2006/main">
-  <p:cSld>
-    <p:spTree>
-      <p:nvGrpSpPr>
-        <p:cNvPr id="1" name=""/>
-        <p:cNvGrpSpPr/>
-        <p:nvPr/>
-      </p:nvGrpSpPr>
-      <p:grpSpPr>
-        <a:xfrm>
-          <a:off x="0" y="0"/>
-          <a:ext cx="0" cy="0"/>
-          <a:chOff x="0" y="0"/>
-          <a:chExt cx="0" cy="0"/>
-        </a:xfrm>
-      </p:grpSpPr>
-      <p:sp>
-        <p:nvSpPr>
-          <p:cNvPr id="2" name="Title 1">
-            <a:extLst>
-              <a:ext uri="{FF2B5EF4-FFF2-40B4-BE49-F238E27FC236}">
-                <a16:creationId xmlns:a16="http://schemas.microsoft.com/office/drawing/2014/main" id="{CB04C9BE-800B-49A7-A08D-CEB5CED67FDD}"/>
-              </a:ext>
-            </a:extLst>
-          </p:cNvPr>
-          <p:cNvSpPr>
-            <a:spLocks noGrp="1"/>
-          </p:cNvSpPr>
-          <p:nvPr>
-            <p:ph type="title"/>
-          </p:nvPr>
-        </p:nvSpPr>
-        <p:spPr/>
-        <p:txBody>
-          <a:bodyPr/>
-          <a:lstStyle/>
-          <a:p>
-            <a:r>
-              <a:rPr lang="cs-CZ" dirty="0"/>
-              <a:t>Životní cyklus komponent</a:t>
-            </a:r>
-          </a:p>
-        </p:txBody>
-      </p:sp>
-      <p:sp>
-        <p:nvSpPr>
-          <p:cNvPr id="3" name="Content Placeholder 2">
-            <a:extLst>
-              <a:ext uri="{FF2B5EF4-FFF2-40B4-BE49-F238E27FC236}">
-                <a16:creationId xmlns:a16="http://schemas.microsoft.com/office/drawing/2014/main" id="{FB418A4C-9A9B-4499-B759-9AF77915E766}"/>
-              </a:ext>
-            </a:extLst>
-          </p:cNvPr>
-          <p:cNvSpPr>
-            <a:spLocks noGrp="1"/>
-          </p:cNvSpPr>
-          <p:nvPr>
-            <p:ph idx="1"/>
-          </p:nvPr>
-        </p:nvSpPr>
-        <p:spPr/>
-        <p:txBody>
-          <a:bodyPr>
-            <a:normAutofit/>
-          </a:bodyPr>
-          <a:lstStyle/>
-          <a:p>
-            <a:r>
-              <a:rPr lang="cs-CZ" dirty="0"/>
-              <a:t>SetParametersAsync </a:t>
-            </a:r>
-            <a:r>
-              <a:rPr lang="cs-CZ" dirty="0">
-                <a:sym typeface="Wingdings" panose="05000000000000000000" pitchFamily="2" charset="2"/>
-              </a:rPr>
-              <a:t> vlastní </a:t>
-            </a:r>
-            <a:r>
-              <a:rPr lang="cs-CZ">
-                <a:sym typeface="Wingdings" panose="05000000000000000000" pitchFamily="2" charset="2"/>
-              </a:rPr>
-              <a:t>řešení parametrů</a:t>
-            </a:r>
-            <a:endParaRPr lang="cs-CZ" dirty="0"/>
-          </a:p>
-          <a:p>
-            <a:r>
-              <a:rPr lang="cs-CZ" dirty="0"/>
-              <a:t>OnInitialized[Async] </a:t>
-            </a:r>
-            <a:r>
-              <a:rPr lang="cs-CZ" dirty="0">
-                <a:sym typeface="Wingdings" panose="05000000000000000000" pitchFamily="2" charset="2"/>
-              </a:rPr>
-              <a:t> jedenkrát</a:t>
-            </a:r>
-            <a:endParaRPr lang="cs-CZ" dirty="0"/>
-          </a:p>
-          <a:p>
-            <a:r>
-              <a:rPr lang="cs-CZ" dirty="0"/>
-              <a:t>OnParametersSet[Async] </a:t>
-            </a:r>
-            <a:r>
-              <a:rPr lang="cs-CZ" dirty="0">
-                <a:sym typeface="Wingdings" panose="05000000000000000000" pitchFamily="2" charset="2"/>
-              </a:rPr>
-              <a:t> po každém nastavení parametrů</a:t>
-            </a:r>
-            <a:endParaRPr lang="cs-CZ" dirty="0"/>
-          </a:p>
-          <a:p>
-            <a:r>
-              <a:rPr lang="cs-CZ" dirty="0"/>
-              <a:t>ShouldRender </a:t>
-            </a:r>
-            <a:r>
-              <a:rPr lang="cs-CZ" dirty="0">
-                <a:sym typeface="Wingdings" panose="05000000000000000000" pitchFamily="2" charset="2"/>
-              </a:rPr>
-              <a:t> po prvním renderu</a:t>
-            </a:r>
-          </a:p>
-          <a:p>
-            <a:r>
-              <a:rPr lang="cs-CZ" dirty="0">
-                <a:solidFill>
-                  <a:schemeClr val="bg1">
-                    <a:lumMod val="65000"/>
-                  </a:schemeClr>
-                </a:solidFill>
-              </a:rPr>
-              <a:t>BuildRenderTree </a:t>
-            </a:r>
-            <a:r>
-              <a:rPr lang="cs-CZ" dirty="0">
-                <a:solidFill>
-                  <a:schemeClr val="bg1">
-                    <a:lumMod val="65000"/>
-                  </a:schemeClr>
-                </a:solidFill>
-                <a:sym typeface="Wingdings" panose="05000000000000000000" pitchFamily="2" charset="2"/>
-              </a:rPr>
-              <a:t> první render automaticky, pak dle ShouldRender</a:t>
-            </a:r>
-            <a:endParaRPr lang="cs-CZ" dirty="0"/>
-          </a:p>
-          <a:p>
-            <a:r>
-              <a:rPr lang="cs-CZ" dirty="0"/>
-              <a:t>OnAfterRender[Async] </a:t>
-            </a:r>
-            <a:r>
-              <a:rPr lang="cs-CZ" dirty="0">
-                <a:sym typeface="Wingdings" panose="05000000000000000000" pitchFamily="2" charset="2"/>
-              </a:rPr>
-              <a:t> @ref</a:t>
-            </a:r>
-            <a:endParaRPr lang="cs-CZ" dirty="0"/>
-          </a:p>
-          <a:p>
-            <a:endParaRPr lang="cs-CZ" dirty="0"/>
-          </a:p>
-          <a:p>
-            <a:r>
-              <a:rPr lang="cs-CZ" dirty="0"/>
-              <a:t>IAsyncDisposable.DisposeAsync </a:t>
-            </a:r>
-            <a:r>
-              <a:rPr lang="cs-CZ" b="1" dirty="0"/>
-              <a:t>nebo</a:t>
-            </a:r>
-            <a:r>
-              <a:rPr lang="cs-CZ" dirty="0"/>
-              <a:t> IDisposable.Dispose</a:t>
-            </a:r>
-          </a:p>
-        </p:txBody>
-      </p:sp>
-    </p:spTree>
-    <p:extLst>
-      <p:ext uri="{BB962C8B-B14F-4D97-AF65-F5344CB8AC3E}">
-        <p14:creationId xmlns:p14="http://schemas.microsoft.com/office/powerpoint/2010/main" val="3626801051"/>
-      </p:ext>
-    </p:extLst>
-  </p:cSld>
-  <p:clrMapOvr>
-    <a:masterClrMapping/>
-  </p:clrMapOvr>
-  <mc:AlternateContent xmlns:mc="http://schemas.openxmlformats.org/markup-compatibility/2006" xmlns:p14="http://schemas.microsoft.com/office/powerpoint/2010/main">
-    <mc:Choice Requires="p14">
-      <p:transition p14:dur="0"/>
-    </mc:Choice>
-    <mc:Fallback xmlns="">
-      <p:transition/>
-    </mc:Fallback>
-  </mc:AlternateContent>
-</p:sld>
-</file>
-
-<file path=ppt/slides/slide5.xml><?xml version="1.0" encoding="utf-8"?>
 <p:sld xmlns:a="http://schemas.openxmlformats.org/drawingml/2006/main" xmlns:r="http://schemas.openxmlformats.org/officeDocument/2006/relationships" xmlns:p="http://schemas.openxmlformats.org/presentationml/2006/main" showMasterSp="0">
   <p:cSld>
     <p:spTree>
@@ -4560,7 +4387,7 @@
 </p:sld>
 </file>
 
-<file path=ppt/slides/slide6.xml><?xml version="1.0" encoding="utf-8"?>
+<file path=ppt/slides/slide5.xml><?xml version="1.0" encoding="utf-8"?>
 <p:sld xmlns:a="http://schemas.openxmlformats.org/drawingml/2006/main" xmlns:r="http://schemas.openxmlformats.org/officeDocument/2006/relationships" xmlns:p="http://schemas.openxmlformats.org/presentationml/2006/main">
   <p:cSld>
     <p:spTree>
@@ -4692,6 +4519,217 @@
     <p:extLst>
       <p:ext uri="{BB962C8B-B14F-4D97-AF65-F5344CB8AC3E}">
         <p14:creationId xmlns:p14="http://schemas.microsoft.com/office/powerpoint/2010/main" val="182554944"/>
+      </p:ext>
+    </p:extLst>
+  </p:cSld>
+  <p:clrMapOvr>
+    <a:masterClrMapping/>
+  </p:clrMapOvr>
+  <mc:AlternateContent xmlns:mc="http://schemas.openxmlformats.org/markup-compatibility/2006" xmlns:p14="http://schemas.microsoft.com/office/powerpoint/2010/main">
+    <mc:Choice Requires="p14">
+      <p:transition p14:dur="0"/>
+    </mc:Choice>
+    <mc:Fallback xmlns="">
+      <p:transition/>
+    </mc:Fallback>
+  </mc:AlternateContent>
+</p:sld>
+</file>
+
+<file path=ppt/slides/slide6.xml><?xml version="1.0" encoding="utf-8"?>
+<p:sld xmlns:a="http://schemas.openxmlformats.org/drawingml/2006/main" xmlns:r="http://schemas.openxmlformats.org/officeDocument/2006/relationships" xmlns:p="http://schemas.openxmlformats.org/presentationml/2006/main">
+  <p:cSld>
+    <p:spTree>
+      <p:nvGrpSpPr>
+        <p:cNvPr id="1" name=""/>
+        <p:cNvGrpSpPr/>
+        <p:nvPr/>
+      </p:nvGrpSpPr>
+      <p:grpSpPr>
+        <a:xfrm>
+          <a:off x="0" y="0"/>
+          <a:ext cx="0" cy="0"/>
+          <a:chOff x="0" y="0"/>
+          <a:chExt cx="0" cy="0"/>
+        </a:xfrm>
+      </p:grpSpPr>
+      <p:sp>
+        <p:nvSpPr>
+          <p:cNvPr id="2" name="Title 1">
+            <a:extLst>
+              <a:ext uri="{FF2B5EF4-FFF2-40B4-BE49-F238E27FC236}">
+                <a16:creationId xmlns:a16="http://schemas.microsoft.com/office/drawing/2014/main" id="{CB04C9BE-800B-49A7-A08D-CEB5CED67FDD}"/>
+              </a:ext>
+            </a:extLst>
+          </p:cNvPr>
+          <p:cNvSpPr>
+            <a:spLocks noGrp="1"/>
+          </p:cNvSpPr>
+          <p:nvPr>
+            <p:ph type="title"/>
+          </p:nvPr>
+        </p:nvSpPr>
+        <p:spPr/>
+        <p:txBody>
+          <a:bodyPr/>
+          <a:lstStyle/>
+          <a:p>
+            <a:r>
+              <a:rPr lang="cs-CZ" dirty="0"/>
+              <a:t>Životní cyklus komponent</a:t>
+            </a:r>
+          </a:p>
+        </p:txBody>
+      </p:sp>
+      <p:sp>
+        <p:nvSpPr>
+          <p:cNvPr id="3" name="Content Placeholder 2">
+            <a:extLst>
+              <a:ext uri="{FF2B5EF4-FFF2-40B4-BE49-F238E27FC236}">
+                <a16:creationId xmlns:a16="http://schemas.microsoft.com/office/drawing/2014/main" id="{FB418A4C-9A9B-4499-B759-9AF77915E766}"/>
+              </a:ext>
+            </a:extLst>
+          </p:cNvPr>
+          <p:cNvSpPr>
+            <a:spLocks noGrp="1"/>
+          </p:cNvSpPr>
+          <p:nvPr>
+            <p:ph idx="1"/>
+          </p:nvPr>
+        </p:nvSpPr>
+        <p:spPr/>
+        <p:txBody>
+          <a:bodyPr>
+            <a:normAutofit/>
+          </a:bodyPr>
+          <a:lstStyle/>
+          <a:p>
+            <a:r>
+              <a:rPr lang="cs-CZ" dirty="0"/>
+              <a:t>SetParametersAsync </a:t>
+            </a:r>
+            <a:r>
+              <a:rPr lang="cs-CZ" dirty="0">
+                <a:sym typeface="Wingdings" panose="05000000000000000000" pitchFamily="2" charset="2"/>
+              </a:rPr>
+              <a:t> vlastní řešení parametrů</a:t>
+            </a:r>
+            <a:endParaRPr lang="cs-CZ" dirty="0"/>
+          </a:p>
+          <a:p>
+            <a:r>
+              <a:rPr lang="cs-CZ" dirty="0"/>
+              <a:t>    </a:t>
+            </a:r>
+            <a:r>
+              <a:rPr lang="cs-CZ" dirty="0" err="1"/>
+              <a:t>OnInitialized</a:t>
+            </a:r>
+            <a:r>
+              <a:rPr lang="cs-CZ" dirty="0"/>
+              <a:t>[Async] </a:t>
+            </a:r>
+            <a:r>
+              <a:rPr lang="cs-CZ" dirty="0">
+                <a:sym typeface="Wingdings" panose="05000000000000000000" pitchFamily="2" charset="2"/>
+              </a:rPr>
+              <a:t> jedenkrát</a:t>
+            </a:r>
+            <a:endParaRPr lang="cs-CZ" dirty="0"/>
+          </a:p>
+          <a:p>
+            <a:r>
+              <a:rPr lang="cs-CZ" dirty="0"/>
+              <a:t>    </a:t>
+            </a:r>
+            <a:r>
+              <a:rPr lang="cs-CZ" dirty="0" err="1"/>
+              <a:t>OnParametersSet</a:t>
+            </a:r>
+            <a:r>
+              <a:rPr lang="cs-CZ" dirty="0"/>
+              <a:t>[Async] </a:t>
+            </a:r>
+            <a:r>
+              <a:rPr lang="cs-CZ" dirty="0">
+                <a:sym typeface="Wingdings" panose="05000000000000000000" pitchFamily="2" charset="2"/>
+              </a:rPr>
+              <a:t> po každém nastavení parametrů</a:t>
+            </a:r>
+            <a:endParaRPr lang="cs-CZ" dirty="0"/>
+          </a:p>
+          <a:p>
+            <a:r>
+              <a:rPr lang="cs-CZ" dirty="0"/>
+              <a:t>ShouldRender </a:t>
+            </a:r>
+            <a:r>
+              <a:rPr lang="cs-CZ" dirty="0">
+                <a:sym typeface="Wingdings" panose="05000000000000000000" pitchFamily="2" charset="2"/>
+              </a:rPr>
+              <a:t> po prvním renderu</a:t>
+            </a:r>
+          </a:p>
+          <a:p>
+            <a:r>
+              <a:rPr lang="cs-CZ" dirty="0">
+                <a:solidFill>
+                  <a:schemeClr val="bg1">
+                    <a:lumMod val="65000"/>
+                  </a:schemeClr>
+                </a:solidFill>
+              </a:rPr>
+              <a:t>BuildRenderTree </a:t>
+            </a:r>
+            <a:r>
+              <a:rPr lang="cs-CZ" dirty="0">
+                <a:solidFill>
+                  <a:schemeClr val="bg1">
+                    <a:lumMod val="65000"/>
+                  </a:schemeClr>
+                </a:solidFill>
+                <a:sym typeface="Wingdings" panose="05000000000000000000" pitchFamily="2" charset="2"/>
+              </a:rPr>
+              <a:t> první render automaticky, pak dle ShouldRender</a:t>
+            </a:r>
+            <a:endParaRPr lang="cs-CZ" dirty="0"/>
+          </a:p>
+          <a:p>
+            <a:r>
+              <a:rPr lang="cs-CZ" dirty="0"/>
+              <a:t>OnAfterRender[Async] </a:t>
+            </a:r>
+            <a:r>
+              <a:rPr lang="cs-CZ" dirty="0">
+                <a:sym typeface="Wingdings" panose="05000000000000000000" pitchFamily="2" charset="2"/>
+              </a:rPr>
+              <a:t> @ref</a:t>
+            </a:r>
+            <a:endParaRPr lang="cs-CZ" dirty="0"/>
+          </a:p>
+          <a:p>
+            <a:endParaRPr lang="cs-CZ" dirty="0"/>
+          </a:p>
+          <a:p>
+            <a:r>
+              <a:rPr lang="cs-CZ" dirty="0"/>
+              <a:t>IAsyncDisposable.DisposeAsync </a:t>
+            </a:r>
+            <a:r>
+              <a:rPr lang="cs-CZ" b="1" dirty="0"/>
+              <a:t>nebo</a:t>
+            </a:r>
+            <a:r>
+              <a:rPr lang="cs-CZ" dirty="0"/>
+              <a:t> IDisposable.Dispose</a:t>
+            </a:r>
+          </a:p>
+        </p:txBody>
+      </p:sp>
+    </p:spTree>
+    <p:extLst>
+      <p:ext uri="{BB962C8B-B14F-4D97-AF65-F5344CB8AC3E}">
+        <p14:creationId xmlns:p14="http://schemas.microsoft.com/office/powerpoint/2010/main" val="3626801051"/>
       </p:ext>
     </p:extLst>
   </p:cSld>
@@ -5453,21 +5491,6 @@
 </file>
 
 <file path=customXml/item1.xml><?xml version="1.0" encoding="utf-8"?>
-<?mso-contentType ?>
-<FormTemplates xmlns="http://schemas.microsoft.com/sharepoint/v3/contenttype/forms">
-  <Display>DocumentLibraryForm</Display>
-  <Edit>DocumentLibraryForm</Edit>
-  <New>DocumentLibraryForm</New>
-</FormTemplates>
-</file>
-
-<file path=customXml/item2.xml><?xml version="1.0" encoding="utf-8"?>
-<p:properties xmlns:p="http://schemas.microsoft.com/office/2006/metadata/properties" xmlns:xsi="http://www.w3.org/2001/XMLSchema-instance" xmlns:pc="http://schemas.microsoft.com/office/infopath/2007/PartnerControls">
-  <documentManagement/>
-</p:properties>
-</file>
-
-<file path=customXml/item3.xml><?xml version="1.0" encoding="utf-8"?>
 <ct:contentTypeSchema xmlns:ct="http://schemas.microsoft.com/office/2006/metadata/contentType" xmlns:ma="http://schemas.microsoft.com/office/2006/metadata/properties/metaAttributes" ct:_="" ma:_="" ma:contentTypeName="Dokument" ma:contentTypeID="0x0101000FED9D5FE1F44145801737A7BA47560B" ma:contentTypeVersion="0" ma:contentTypeDescription="Vytvoří nový dokument" ma:contentTypeScope="" ma:versionID="865cee90d61be235413a64cabd79a281">
   <xsd:schema xmlns:xsd="http://www.w3.org/2001/XMLSchema" xmlns:xs="http://www.w3.org/2001/XMLSchema" xmlns:p="http://schemas.microsoft.com/office/2006/metadata/properties" targetNamespace="http://schemas.microsoft.com/office/2006/metadata/properties" ma:root="true" ma:fieldsID="871d6b51c5141eb32e0d04e037372b3c">
     <xsd:element name="properties">
@@ -5581,10 +5604,33 @@
 </ct:contentTypeSchema>
 </file>
 
+<file path=customXml/item2.xml><?xml version="1.0" encoding="utf-8"?>
+<p:properties xmlns:p="http://schemas.microsoft.com/office/2006/metadata/properties" xmlns:xsi="http://www.w3.org/2001/XMLSchema-instance" xmlns:pc="http://schemas.microsoft.com/office/infopath/2007/PartnerControls">
+  <documentManagement/>
+</p:properties>
+</file>
+
+<file path=customXml/item3.xml><?xml version="1.0" encoding="utf-8"?>
+<?mso-contentType ?>
+<FormTemplates xmlns="http://schemas.microsoft.com/sharepoint/v3/contenttype/forms">
+  <Display>DocumentLibraryForm</Display>
+  <Edit>DocumentLibraryForm</Edit>
+  <New>DocumentLibraryForm</New>
+</FormTemplates>
+</file>
+
 <file path=customXml/itemProps1.xml><?xml version="1.0" encoding="utf-8"?>
-<ds:datastoreItem xmlns:ds="http://schemas.openxmlformats.org/officeDocument/2006/customXml" ds:itemID="{B22238E5-BDC0-4655-AFB5-A7405C559E7D}">
+<ds:datastoreItem xmlns:ds="http://schemas.openxmlformats.org/officeDocument/2006/customXml" ds:itemID="{BABDB233-CC77-4AD7-B48B-2F061438568A}">
   <ds:schemaRefs>
-    <ds:schemaRef ds:uri="http://schemas.microsoft.com/sharepoint/v3/contenttype/forms"/>
+    <ds:schemaRef ds:uri="http://schemas.microsoft.com/office/2006/metadata/contentType"/>
+    <ds:schemaRef ds:uri="http://schemas.microsoft.com/office/2006/metadata/properties/metaAttributes"/>
+    <ds:schemaRef ds:uri="http://www.w3.org/2001/XMLSchema"/>
+    <ds:schemaRef ds:uri="http://schemas.microsoft.com/office/2006/metadata/properties"/>
+    <ds:schemaRef ds:uri="http://schemas.openxmlformats.org/package/2006/metadata/core-properties"/>
+    <ds:schemaRef ds:uri="http://purl.org/dc/elements/1.1/"/>
+    <ds:schemaRef ds:uri="http://purl.org/dc/terms/"/>
+    <ds:schemaRef ds:uri="http://schemas.microsoft.com/internal/obd"/>
+    <ds:schemaRef ds:uri="http://schemas.microsoft.com/office/infopath/2007/PartnerControls"/>
   </ds:schemaRefs>
 </ds:datastoreItem>
 </file>
@@ -5599,17 +5645,9 @@
 </file>
 
 <file path=customXml/itemProps3.xml><?xml version="1.0" encoding="utf-8"?>
-<ds:datastoreItem xmlns:ds="http://schemas.openxmlformats.org/officeDocument/2006/customXml" ds:itemID="{BABDB233-CC77-4AD7-B48B-2F061438568A}">
+<ds:datastoreItem xmlns:ds="http://schemas.openxmlformats.org/officeDocument/2006/customXml" ds:itemID="{B22238E5-BDC0-4655-AFB5-A7405C559E7D}">
   <ds:schemaRefs>
-    <ds:schemaRef ds:uri="http://schemas.microsoft.com/office/2006/metadata/contentType"/>
-    <ds:schemaRef ds:uri="http://schemas.microsoft.com/office/2006/metadata/properties/metaAttributes"/>
-    <ds:schemaRef ds:uri="http://www.w3.org/2001/XMLSchema"/>
-    <ds:schemaRef ds:uri="http://schemas.microsoft.com/office/2006/metadata/properties"/>
-    <ds:schemaRef ds:uri="http://schemas.openxmlformats.org/package/2006/metadata/core-properties"/>
-    <ds:schemaRef ds:uri="http://purl.org/dc/elements/1.1/"/>
-    <ds:schemaRef ds:uri="http://purl.org/dc/terms/"/>
-    <ds:schemaRef ds:uri="http://schemas.microsoft.com/internal/obd"/>
-    <ds:schemaRef ds:uri="http://schemas.microsoft.com/office/infopath/2007/PartnerControls"/>
+    <ds:schemaRef ds:uri="http://schemas.microsoft.com/sharepoint/v3/contenttype/forms"/>
   </ds:schemaRefs>
 </ds:datastoreItem>
 </file>
--- a/Presentation/05 - Blazor - Lifecycle.pptx
+++ b/Presentation/05 - Blazor - Lifecycle.pptx
@@ -5,16 +5,17 @@
     <p:sldMasterId id="2147483794" r:id="rId4"/>
   </p:sldMasterIdLst>
   <p:notesMasterIdLst>
-    <p:notesMasterId r:id="rId12"/>
+    <p:notesMasterId r:id="rId13"/>
   </p:notesMasterIdLst>
   <p:sldIdLst>
     <p:sldId id="256" r:id="rId5"/>
     <p:sldId id="333" r:id="rId6"/>
     <p:sldId id="329" r:id="rId7"/>
     <p:sldId id="335" r:id="rId8"/>
-    <p:sldId id="332" r:id="rId9"/>
-    <p:sldId id="331" r:id="rId10"/>
-    <p:sldId id="334" r:id="rId11"/>
+    <p:sldId id="336" r:id="rId9"/>
+    <p:sldId id="332" r:id="rId10"/>
+    <p:sldId id="331" r:id="rId11"/>
+    <p:sldId id="334" r:id="rId12"/>
   </p:sldIdLst>
   <p:sldSz cx="12192000" cy="6858000"/>
   <p:notesSz cx="6858000" cy="9144000"/>
@@ -4317,10 +4318,10 @@
       </p:pic>
       <p:pic>
         <p:nvPicPr>
-          <p:cNvPr id="1028" name="Picture 4" descr="Document Object Model (DOM) event processing">
+          <p:cNvPr id="2" name="Picture 2" descr="Render lifecycle">
             <a:extLst>
               <a:ext uri="{FF2B5EF4-FFF2-40B4-BE49-F238E27FC236}">
-                <a16:creationId xmlns:a16="http://schemas.microsoft.com/office/drawing/2014/main" id="{D8B6201F-7FF1-409E-8CFB-CC1682EAFD6E}"/>
+                <a16:creationId xmlns:a16="http://schemas.microsoft.com/office/drawing/2014/main" id="{F1FBCCC1-5951-7EF2-D5CA-9800984DE6DE}"/>
               </a:ext>
             </a:extLst>
           </p:cNvPr>
@@ -4344,8 +4345,8 @@
         </p:blipFill>
         <p:spPr bwMode="auto">
           <a:xfrm>
-            <a:off x="6600056" y="1909762"/>
-            <a:ext cx="4524375" cy="3038475"/>
+            <a:off x="6600058" y="172868"/>
+            <a:ext cx="4391025" cy="6191250"/>
           </a:xfrm>
           <a:prstGeom prst="rect">
             <a:avLst/>
@@ -4388,6 +4389,142 @@
 </file>
 
 <file path=ppt/slides/slide5.xml><?xml version="1.0" encoding="utf-8"?>
+<p:sld xmlns:a="http://schemas.openxmlformats.org/drawingml/2006/main" xmlns:r="http://schemas.openxmlformats.org/officeDocument/2006/relationships" xmlns:p="http://schemas.openxmlformats.org/presentationml/2006/main" showMasterSp="0">
+  <p:cSld>
+    <p:spTree>
+      <p:nvGrpSpPr>
+        <p:cNvPr id="1" name=""/>
+        <p:cNvGrpSpPr/>
+        <p:nvPr/>
+      </p:nvGrpSpPr>
+      <p:grpSpPr>
+        <a:xfrm>
+          <a:off x="0" y="0"/>
+          <a:ext cx="0" cy="0"/>
+          <a:chOff x="0" y="0"/>
+          <a:chExt cx="0" cy="0"/>
+        </a:xfrm>
+      </p:grpSpPr>
+      <p:pic>
+        <p:nvPicPr>
+          <p:cNvPr id="1028" name="Picture 4" descr="Document Object Model (DOM) event processing">
+            <a:extLst>
+              <a:ext uri="{FF2B5EF4-FFF2-40B4-BE49-F238E27FC236}">
+                <a16:creationId xmlns:a16="http://schemas.microsoft.com/office/drawing/2014/main" id="{D8B6201F-7FF1-409E-8CFB-CC1682EAFD6E}"/>
+              </a:ext>
+            </a:extLst>
+          </p:cNvPr>
+          <p:cNvPicPr>
+            <a:picLocks noChangeAspect="1" noChangeArrowheads="1"/>
+          </p:cNvPicPr>
+          <p:nvPr/>
+        </p:nvPicPr>
+        <p:blipFill>
+          <a:blip r:embed="rId2">
+            <a:extLst>
+              <a:ext uri="{28A0092B-C50C-407E-A947-70E740481C1C}">
+                <a14:useLocalDpi xmlns:a14="http://schemas.microsoft.com/office/drawing/2010/main" val="0"/>
+              </a:ext>
+            </a:extLst>
+          </a:blip>
+          <a:srcRect/>
+          <a:stretch>
+            <a:fillRect/>
+          </a:stretch>
+        </p:blipFill>
+        <p:spPr bwMode="auto">
+          <a:xfrm>
+            <a:off x="851545" y="548680"/>
+            <a:ext cx="4524375" cy="3038475"/>
+          </a:xfrm>
+          <a:prstGeom prst="rect">
+            <a:avLst/>
+          </a:prstGeom>
+          <a:noFill/>
+          <a:extLst>
+            <a:ext uri="{909E8E84-426E-40DD-AFC4-6F175D3DCCD1}">
+              <a14:hiddenFill xmlns:a14="http://schemas.microsoft.com/office/drawing/2010/main">
+                <a:solidFill>
+                  <a:srgbClr val="FFFFFF"/>
+                </a:solidFill>
+              </a14:hiddenFill>
+            </a:ext>
+          </a:extLst>
+        </p:spPr>
+      </p:pic>
+      <p:pic>
+        <p:nvPicPr>
+          <p:cNvPr id="2" name="Picture 2" descr="Render lifecycle">
+            <a:extLst>
+              <a:ext uri="{FF2B5EF4-FFF2-40B4-BE49-F238E27FC236}">
+                <a16:creationId xmlns:a16="http://schemas.microsoft.com/office/drawing/2014/main" id="{F1FBCCC1-5951-7EF2-D5CA-9800984DE6DE}"/>
+              </a:ext>
+            </a:extLst>
+          </p:cNvPr>
+          <p:cNvPicPr>
+            <a:picLocks noChangeAspect="1" noChangeArrowheads="1"/>
+          </p:cNvPicPr>
+          <p:nvPr/>
+        </p:nvPicPr>
+        <p:blipFill>
+          <a:blip r:embed="rId3">
+            <a:extLst>
+              <a:ext uri="{28A0092B-C50C-407E-A947-70E740481C1C}">
+                <a14:useLocalDpi xmlns:a14="http://schemas.microsoft.com/office/drawing/2010/main" val="0"/>
+              </a:ext>
+            </a:extLst>
+          </a:blip>
+          <a:srcRect/>
+          <a:stretch>
+            <a:fillRect/>
+          </a:stretch>
+        </p:blipFill>
+        <p:spPr bwMode="auto">
+          <a:xfrm>
+            <a:off x="6600056" y="333375"/>
+            <a:ext cx="4391025" cy="6191250"/>
+          </a:xfrm>
+          <a:prstGeom prst="rect">
+            <a:avLst/>
+          </a:prstGeom>
+          <a:noFill/>
+          <a:extLst>
+            <a:ext uri="{909E8E84-426E-40DD-AFC4-6F175D3DCCD1}">
+              <a14:hiddenFill xmlns:a14="http://schemas.microsoft.com/office/drawing/2010/main">
+                <a:solidFill>
+                  <a:srgbClr val="FFFFFF"/>
+                </a:solidFill>
+              </a14:hiddenFill>
+            </a:ext>
+          </a:extLst>
+        </p:spPr>
+      </p:pic>
+    </p:spTree>
+    <p:extLst>
+      <p:ext uri="{BB962C8B-B14F-4D97-AF65-F5344CB8AC3E}">
+        <p14:creationId xmlns:p14="http://schemas.microsoft.com/office/powerpoint/2010/main" val="1704638471"/>
+      </p:ext>
+    </p:extLst>
+  </p:cSld>
+  <p:clrMapOvr>
+    <a:masterClrMapping/>
+  </p:clrMapOvr>
+  <mc:AlternateContent xmlns:mc="http://schemas.openxmlformats.org/markup-compatibility/2006" xmlns:p14="http://schemas.microsoft.com/office/powerpoint/2010/main">
+    <mc:Choice Requires="p14">
+      <p:transition spd="med" p14:dur="700">
+        <p:fade/>
+      </p:transition>
+    </mc:Choice>
+    <mc:Fallback xmlns="">
+      <p:transition spd="med">
+        <p:fade/>
+      </p:transition>
+    </mc:Fallback>
+  </mc:AlternateContent>
+</p:sld>
+</file>
+
+<file path=ppt/slides/slide6.xml><?xml version="1.0" encoding="utf-8"?>
 <p:sld xmlns:a="http://schemas.openxmlformats.org/drawingml/2006/main" xmlns:r="http://schemas.openxmlformats.org/officeDocument/2006/relationships" xmlns:p="http://schemas.openxmlformats.org/presentationml/2006/main">
   <p:cSld>
     <p:spTree>
@@ -4536,7 +4673,7 @@
 </p:sld>
 </file>
 
-<file path=ppt/slides/slide6.xml><?xml version="1.0" encoding="utf-8"?>
+<file path=ppt/slides/slide7.xml><?xml version="1.0" encoding="utf-8"?>
 <p:sld xmlns:a="http://schemas.openxmlformats.org/drawingml/2006/main" xmlns:r="http://schemas.openxmlformats.org/officeDocument/2006/relationships" xmlns:p="http://schemas.openxmlformats.org/presentationml/2006/main">
   <p:cSld>
     <p:spTree>
@@ -4747,7 +4884,7 @@
 </p:sld>
 </file>
 
-<file path=ppt/slides/slide7.xml><?xml version="1.0" encoding="utf-8"?>
+<file path=ppt/slides/slide8.xml><?xml version="1.0" encoding="utf-8"?>
 <p:sld xmlns:a="http://schemas.openxmlformats.org/drawingml/2006/main" xmlns:r="http://schemas.openxmlformats.org/officeDocument/2006/relationships" xmlns:p="http://schemas.openxmlformats.org/presentationml/2006/main">
   <p:cSld>
     <p:spTree>
@@ -4878,7 +5015,7 @@
               <a:rPr lang="cs-CZ" dirty="0" err="1"/>
               <a:t>AfterRender</a:t>
             </a:r>
-            <a:endParaRPr lang="cs-CZ"/>
+            <a:endParaRPr lang="cs-CZ" dirty="0"/>
           </a:p>
           <a:p>
             <a:endParaRPr lang="cs-CZ" dirty="0"/>
